--- a/parper/00-汇报PPT/模板.pptx
+++ b/parper/00-汇报PPT/模板.pptx
@@ -227,7 +227,7 @@
           <a:p>
             <a:fld id="{7D96B6FC-1ADF-40E8-87EA-DE4FCC79564F}" type="datetime1">
               <a:rPr lang="zh-CN" altLang="en-US" smtClean="0"/>
-              <a:t>2021/11/25</a:t>
+              <a:t>2021/12/5</a:t>
             </a:fld>
             <a:endParaRPr lang="zh-CN" altLang="en-US"/>
           </a:p>
@@ -393,7 +393,7 @@
           <a:p>
             <a:fld id="{3A53E9FB-0222-4EAB-8AC5-1D9A22F1D9D7}" type="datetime1">
               <a:rPr lang="zh-CN" altLang="en-US" smtClean="0"/>
-              <a:t>2021/11/25</a:t>
+              <a:t>2021/12/5</a:t>
             </a:fld>
             <a:endParaRPr kumimoji="1" lang="zh-CN" altLang="en-US"/>
           </a:p>
@@ -715,7 +715,7 @@
           <a:p>
             <a:fld id="{3A53E9FB-0222-4EAB-8AC5-1D9A22F1D9D7}" type="datetime1">
               <a:rPr lang="zh-CN" altLang="en-US" smtClean="0"/>
-              <a:t>2021/11/25</a:t>
+              <a:t>2021/12/5</a:t>
             </a:fld>
             <a:endParaRPr kumimoji="1" lang="zh-CN" altLang="en-US"/>
           </a:p>
@@ -860,7 +860,7 @@
           <a:p>
             <a:fld id="{3A53E9FB-0222-4EAB-8AC5-1D9A22F1D9D7}" type="datetime1">
               <a:rPr lang="zh-CN" altLang="en-US" smtClean="0"/>
-              <a:t>2021/11/25</a:t>
+              <a:t>2021/12/5</a:t>
             </a:fld>
             <a:endParaRPr kumimoji="1" lang="zh-CN" altLang="en-US"/>
           </a:p>
@@ -1005,7 +1005,7 @@
           <a:p>
             <a:fld id="{C8A4E0EF-0CC3-4BDE-9B8A-91ECEE27BF75}" type="datetime1">
               <a:rPr lang="zh-CN" altLang="en-US" smtClean="0"/>
-              <a:t>2021/11/25</a:t>
+              <a:t>2021/12/5</a:t>
             </a:fld>
             <a:endParaRPr kumimoji="1" lang="zh-CN" altLang="en-US"/>
           </a:p>
@@ -1150,7 +1150,7 @@
           <a:p>
             <a:fld id="{C8A4E0EF-0CC3-4BDE-9B8A-91ECEE27BF75}" type="datetime1">
               <a:rPr lang="zh-CN" altLang="en-US" smtClean="0"/>
-              <a:t>2021/11/25</a:t>
+              <a:t>2021/12/5</a:t>
             </a:fld>
             <a:endParaRPr kumimoji="1" lang="zh-CN" altLang="en-US"/>
           </a:p>
@@ -1295,7 +1295,7 @@
           <a:p>
             <a:fld id="{C8A4E0EF-0CC3-4BDE-9B8A-91ECEE27BF75}" type="datetime1">
               <a:rPr lang="zh-CN" altLang="en-US" smtClean="0"/>
-              <a:t>2021/11/25</a:t>
+              <a:t>2021/12/5</a:t>
             </a:fld>
             <a:endParaRPr kumimoji="1" lang="zh-CN" altLang="en-US"/>
           </a:p>
@@ -1440,7 +1440,7 @@
           <a:p>
             <a:fld id="{C8A4E0EF-0CC3-4BDE-9B8A-91ECEE27BF75}" type="datetime1">
               <a:rPr lang="zh-CN" altLang="en-US" smtClean="0"/>
-              <a:t>2021/11/25</a:t>
+              <a:t>2021/12/5</a:t>
             </a:fld>
             <a:endParaRPr kumimoji="1" lang="zh-CN" altLang="en-US"/>
           </a:p>
@@ -1585,7 +1585,7 @@
           <a:p>
             <a:fld id="{3A53E9FB-0222-4EAB-8AC5-1D9A22F1D9D7}" type="datetime1">
               <a:rPr lang="zh-CN" altLang="en-US" smtClean="0"/>
-              <a:t>2021/11/25</a:t>
+              <a:t>2021/12/5</a:t>
             </a:fld>
             <a:endParaRPr kumimoji="1" lang="zh-CN" altLang="en-US"/>
           </a:p>
@@ -1730,7 +1730,7 @@
           <a:p>
             <a:fld id="{C8A4E0EF-0CC3-4BDE-9B8A-91ECEE27BF75}" type="datetime1">
               <a:rPr lang="zh-CN" altLang="en-US" smtClean="0"/>
-              <a:t>2021/11/25</a:t>
+              <a:t>2021/12/5</a:t>
             </a:fld>
             <a:endParaRPr kumimoji="1" lang="zh-CN" altLang="en-US"/>
           </a:p>
@@ -1875,7 +1875,7 @@
           <a:p>
             <a:fld id="{3A53E9FB-0222-4EAB-8AC5-1D9A22F1D9D7}" type="datetime1">
               <a:rPr lang="zh-CN" altLang="en-US" smtClean="0"/>
-              <a:t>2021/11/25</a:t>
+              <a:t>2021/12/5</a:t>
             </a:fld>
             <a:endParaRPr kumimoji="1" lang="zh-CN" altLang="en-US"/>
           </a:p>
@@ -2020,7 +2020,7 @@
           <a:p>
             <a:fld id="{C8A4E0EF-0CC3-4BDE-9B8A-91ECEE27BF75}" type="datetime1">
               <a:rPr lang="zh-CN" altLang="en-US" smtClean="0"/>
-              <a:t>2021/11/25</a:t>
+              <a:t>2021/12/5</a:t>
             </a:fld>
             <a:endParaRPr kumimoji="1" lang="zh-CN" altLang="en-US"/>
           </a:p>
@@ -2165,7 +2165,7 @@
           <a:p>
             <a:fld id="{3A53E9FB-0222-4EAB-8AC5-1D9A22F1D9D7}" type="datetime1">
               <a:rPr lang="zh-CN" altLang="en-US" smtClean="0"/>
-              <a:t>2021/11/25</a:t>
+              <a:t>2021/12/5</a:t>
             </a:fld>
             <a:endParaRPr kumimoji="1" lang="zh-CN" altLang="en-US"/>
           </a:p>
@@ -2310,7 +2310,7 @@
           <a:p>
             <a:fld id="{C8A4E0EF-0CC3-4BDE-9B8A-91ECEE27BF75}" type="datetime1">
               <a:rPr lang="zh-CN" altLang="en-US" smtClean="0"/>
-              <a:t>2021/11/25</a:t>
+              <a:t>2021/12/5</a:t>
             </a:fld>
             <a:endParaRPr kumimoji="1" lang="zh-CN" altLang="en-US"/>
           </a:p>
@@ -2599,7 +2599,7 @@
           <a:p>
             <a:fld id="{6FF1AEA0-AC91-465D-8F90-FBA394D73BF0}" type="datetime1">
               <a:rPr lang="zh-CN" altLang="en-US" smtClean="0"/>
-              <a:t>2021/11/25</a:t>
+              <a:t>2021/12/5</a:t>
             </a:fld>
             <a:endParaRPr lang="zh-CN" altLang="en-US"/>
           </a:p>
@@ -2809,7 +2809,7 @@
           <a:p>
             <a:fld id="{AF83049F-5E81-45DF-B1CB-B2436DB905FF}" type="datetime1">
               <a:rPr lang="zh-CN" altLang="en-US" smtClean="0"/>
-              <a:t>2021/11/25</a:t>
+              <a:t>2021/12/5</a:t>
             </a:fld>
             <a:endParaRPr lang="zh-CN" altLang="en-US"/>
           </a:p>
@@ -3197,7 +3197,7 @@
         <p:spPr>
           <a:xfrm>
             <a:off x="1263409" y="1507063"/>
-            <a:ext cx="9664995" cy="2677656"/>
+            <a:ext cx="9664995" cy="646331"/>
           </a:xfrm>
           <a:prstGeom prst="rect">
             <a:avLst/>
@@ -3209,25 +3209,6 @@
             <a:spAutoFit/>
           </a:bodyPr>
           <a:lstStyle/>
-          <a:p>
-            <a:pPr algn="ctr"/>
-            <a:r>
-              <a:rPr lang="en-US" altLang="zh-CN" sz="3600" b="1" dirty="0" err="1"/>
-              <a:t>Nightcore</a:t>
-            </a:r>
-            <a:r>
-              <a:rPr lang="en-US" altLang="zh-CN" sz="3600" b="1" dirty="0"/>
-              <a:t>: Efficient and Scalable Serverless Computing for Latency-Sensitive, Interactive Microservices</a:t>
-            </a:r>
-          </a:p>
-          <a:p>
-            <a:pPr algn="ctr"/>
-            <a:r>
-              <a:rPr lang="en-US" altLang="zh-CN" sz="2400" dirty="0"/>
-              <a:t>ASPLOS21’</a:t>
-            </a:r>
-            <a:endParaRPr lang="zh-CN" altLang="en-US" sz="2400" dirty="0"/>
-          </a:p>
           <a:p>
             <a:pPr algn="ctr"/>
             <a:endParaRPr lang="zh-CN" altLang="en-US" sz="3600" b="1" dirty="0"/>
@@ -3276,185 +3257,6 @@
                 <a:srgbClr val="7030A0"/>
               </a:solidFill>
               <a:latin typeface="Sitka Display" panose="02000505000000020004" pitchFamily="2" charset="0"/>
-            </a:endParaRPr>
-          </a:p>
-        </p:txBody>
-      </p:sp>
-      <p:sp>
-        <p:nvSpPr>
-          <p:cNvPr id="4" name="文本框 5">
-            <a:extLst>
-              <a:ext uri="{FF2B5EF4-FFF2-40B4-BE49-F238E27FC236}">
-                <a16:creationId xmlns:a16="http://schemas.microsoft.com/office/drawing/2014/main" id="{250A2A89-F8FA-41DA-AE63-AFBB60964A68}"/>
-              </a:ext>
-            </a:extLst>
-          </p:cNvPr>
-          <p:cNvSpPr txBox="1"/>
-          <p:nvPr/>
-        </p:nvSpPr>
-        <p:spPr>
-          <a:xfrm>
-            <a:off x="938471" y="3521914"/>
-            <a:ext cx="10314873" cy="461665"/>
-          </a:xfrm>
-          <a:prstGeom prst="rect">
-            <a:avLst/>
-          </a:prstGeom>
-          <a:noFill/>
-        </p:spPr>
-        <p:txBody>
-          <a:bodyPr wrap="square" rtlCol="0">
-            <a:spAutoFit/>
-          </a:bodyPr>
-          <a:lstStyle>
-            <a:defPPr>
-              <a:defRPr lang="zh-CN"/>
-            </a:defPPr>
-            <a:lvl1pPr marL="0" algn="l" defTabSz="914400" rtl="0" eaLnBrk="1" latinLnBrk="0" hangingPunct="1">
-              <a:defRPr sz="1800" kern="1200">
-                <a:solidFill>
-                  <a:schemeClr val="tx1"/>
-                </a:solidFill>
-                <a:latin typeface="+mn-lt"/>
-                <a:ea typeface="+mn-ea"/>
-                <a:cs typeface="+mn-cs"/>
-              </a:defRPr>
-            </a:lvl1pPr>
-            <a:lvl2pPr marL="457200" algn="l" defTabSz="914400" rtl="0" eaLnBrk="1" latinLnBrk="0" hangingPunct="1">
-              <a:defRPr sz="1800" kern="1200">
-                <a:solidFill>
-                  <a:schemeClr val="tx1"/>
-                </a:solidFill>
-                <a:latin typeface="+mn-lt"/>
-                <a:ea typeface="+mn-ea"/>
-                <a:cs typeface="+mn-cs"/>
-              </a:defRPr>
-            </a:lvl2pPr>
-            <a:lvl3pPr marL="914400" algn="l" defTabSz="914400" rtl="0" eaLnBrk="1" latinLnBrk="0" hangingPunct="1">
-              <a:defRPr sz="1800" kern="1200">
-                <a:solidFill>
-                  <a:schemeClr val="tx1"/>
-                </a:solidFill>
-                <a:latin typeface="+mn-lt"/>
-                <a:ea typeface="+mn-ea"/>
-                <a:cs typeface="+mn-cs"/>
-              </a:defRPr>
-            </a:lvl3pPr>
-            <a:lvl4pPr marL="1371600" algn="l" defTabSz="914400" rtl="0" eaLnBrk="1" latinLnBrk="0" hangingPunct="1">
-              <a:defRPr sz="1800" kern="1200">
-                <a:solidFill>
-                  <a:schemeClr val="tx1"/>
-                </a:solidFill>
-                <a:latin typeface="+mn-lt"/>
-                <a:ea typeface="+mn-ea"/>
-                <a:cs typeface="+mn-cs"/>
-              </a:defRPr>
-            </a:lvl4pPr>
-            <a:lvl5pPr marL="1828800" algn="l" defTabSz="914400" rtl="0" eaLnBrk="1" latinLnBrk="0" hangingPunct="1">
-              <a:defRPr sz="1800" kern="1200">
-                <a:solidFill>
-                  <a:schemeClr val="tx1"/>
-                </a:solidFill>
-                <a:latin typeface="+mn-lt"/>
-                <a:ea typeface="+mn-ea"/>
-                <a:cs typeface="+mn-cs"/>
-              </a:defRPr>
-            </a:lvl5pPr>
-            <a:lvl6pPr marL="2286000" algn="l" defTabSz="914400" rtl="0" eaLnBrk="1" latinLnBrk="0" hangingPunct="1">
-              <a:defRPr sz="1800" kern="1200">
-                <a:solidFill>
-                  <a:schemeClr val="tx1"/>
-                </a:solidFill>
-                <a:latin typeface="+mn-lt"/>
-                <a:ea typeface="+mn-ea"/>
-                <a:cs typeface="+mn-cs"/>
-              </a:defRPr>
-            </a:lvl6pPr>
-            <a:lvl7pPr marL="2743200" algn="l" defTabSz="914400" rtl="0" eaLnBrk="1" latinLnBrk="0" hangingPunct="1">
-              <a:defRPr sz="1800" kern="1200">
-                <a:solidFill>
-                  <a:schemeClr val="tx1"/>
-                </a:solidFill>
-                <a:latin typeface="+mn-lt"/>
-                <a:ea typeface="+mn-ea"/>
-                <a:cs typeface="+mn-cs"/>
-              </a:defRPr>
-            </a:lvl7pPr>
-            <a:lvl8pPr marL="3200400" algn="l" defTabSz="914400" rtl="0" eaLnBrk="1" latinLnBrk="0" hangingPunct="1">
-              <a:defRPr sz="1800" kern="1200">
-                <a:solidFill>
-                  <a:schemeClr val="tx1"/>
-                </a:solidFill>
-                <a:latin typeface="+mn-lt"/>
-                <a:ea typeface="+mn-ea"/>
-                <a:cs typeface="+mn-cs"/>
-              </a:defRPr>
-            </a:lvl8pPr>
-            <a:lvl9pPr marL="3657600" algn="l" defTabSz="914400" rtl="0" eaLnBrk="1" latinLnBrk="0" hangingPunct="1">
-              <a:defRPr sz="1800" kern="1200">
-                <a:solidFill>
-                  <a:schemeClr val="tx1"/>
-                </a:solidFill>
-                <a:latin typeface="+mn-lt"/>
-                <a:ea typeface="+mn-ea"/>
-                <a:cs typeface="+mn-cs"/>
-              </a:defRPr>
-            </a:lvl9pPr>
-          </a:lstStyle>
-          <a:p>
-            <a:pPr algn="ctr"/>
-            <a:r>
-              <a:rPr lang="pt-BR" altLang="zh-CN" sz="2400" b="1" i="1" dirty="0">
-                <a:latin typeface="Gill Sans MT" panose="020B0502020104020203" pitchFamily="34" charset="0"/>
-                <a:ea typeface="华文新魏" panose="02010800040101010101" pitchFamily="2" charset="-122"/>
-              </a:rPr>
-              <a:t>Authors: </a:t>
-            </a:r>
-            <a:r>
-              <a:rPr lang="en-US" sz="2400" dirty="0" err="1">
-                <a:latin typeface="Gill Sans MT" panose="020B0502020104020203" pitchFamily="34" charset="0"/>
-                <a:ea typeface="华文新魏" panose="02010800040101010101" pitchFamily="2" charset="-122"/>
-              </a:rPr>
-              <a:t>Zhipeng</a:t>
-            </a:r>
-            <a:r>
-              <a:rPr lang="en-US" sz="2400" dirty="0">
-                <a:latin typeface="Gill Sans MT" panose="020B0502020104020203" pitchFamily="34" charset="0"/>
-                <a:ea typeface="华文新魏" panose="02010800040101010101" pitchFamily="2" charset="-122"/>
-              </a:rPr>
-              <a:t> </a:t>
-            </a:r>
-            <a:r>
-              <a:rPr lang="en-US" sz="2400" dirty="0" err="1">
-                <a:latin typeface="Gill Sans MT" panose="020B0502020104020203" pitchFamily="34" charset="0"/>
-                <a:ea typeface="华文新魏" panose="02010800040101010101" pitchFamily="2" charset="-122"/>
-              </a:rPr>
-              <a:t>Jia</a:t>
-            </a:r>
-            <a:r>
-              <a:rPr lang="zh-CN" altLang="en-US" sz="2400" dirty="0">
-                <a:latin typeface="Gill Sans MT" panose="020B0502020104020203" pitchFamily="34" charset="0"/>
-                <a:ea typeface="华文新魏" panose="02010800040101010101" pitchFamily="2" charset="-122"/>
-              </a:rPr>
-              <a:t>， </a:t>
-            </a:r>
-            <a:r>
-              <a:rPr lang="en-US" altLang="zh-CN" sz="2400" dirty="0">
-                <a:latin typeface="Gill Sans MT" panose="020B0502020104020203" pitchFamily="34" charset="0"/>
-                <a:ea typeface="华文新魏" panose="02010800040101010101" pitchFamily="2" charset="-122"/>
-              </a:rPr>
-              <a:t>Emmett </a:t>
-            </a:r>
-            <a:r>
-              <a:rPr lang="en-US" altLang="zh-CN" sz="2400" dirty="0" err="1">
-                <a:latin typeface="Gill Sans MT" panose="020B0502020104020203" pitchFamily="34" charset="0"/>
-                <a:ea typeface="华文新魏" panose="02010800040101010101" pitchFamily="2" charset="-122"/>
-              </a:rPr>
-              <a:t>Witchel</a:t>
-            </a:r>
-            <a:endParaRPr lang="en-US" altLang="zh-CN" sz="2400" dirty="0">
-              <a:latin typeface="Gill Sans MT" panose="020B0502020104020203" pitchFamily="34" charset="0"/>
-              <a:ea typeface="华文新魏" panose="02010800040101010101" pitchFamily="2" charset="-122"/>
             </a:endParaRPr>
           </a:p>
         </p:txBody>
@@ -3631,7 +3433,7 @@
           <a:p>
             <a:fld id="{6FF1AEA0-AC91-465D-8F90-FBA394D73BF0}" type="datetime1">
               <a:rPr lang="zh-CN" altLang="en-US" smtClean="0"/>
-              <a:t>2021/11/25</a:t>
+              <a:t>2021/12/5</a:t>
             </a:fld>
             <a:endParaRPr lang="zh-CN" altLang="en-US"/>
           </a:p>
@@ -6315,7 +6117,7 @@
           <a:p>
             <a:fld id="{EC269055-B1D5-4ECE-BFA1-450C1569B936}" type="datetime1">
               <a:rPr lang="zh-CN" altLang="en-US" smtClean="0"/>
-              <a:t>2021/11/25</a:t>
+              <a:t>2021/12/5</a:t>
             </a:fld>
             <a:endParaRPr lang="zh-CN" altLang="en-US"/>
           </a:p>
@@ -6603,7 +6405,7 @@
           <a:p>
             <a:fld id="{50374477-318F-4FCC-B5CE-A80566BBEA09}" type="datetime1">
               <a:rPr lang="zh-CN" altLang="en-US" smtClean="0"/>
-              <a:t>2021/11/25</a:t>
+              <a:t>2021/12/5</a:t>
             </a:fld>
             <a:endParaRPr lang="zh-CN" altLang="en-US"/>
           </a:p>
@@ -9139,7 +8941,7 @@
           <a:p>
             <a:fld id="{EC269055-B1D5-4ECE-BFA1-450C1569B936}" type="datetime1">
               <a:rPr lang="zh-CN" altLang="en-US" smtClean="0"/>
-              <a:t>2021/11/25</a:t>
+              <a:t>2021/12/5</a:t>
             </a:fld>
             <a:endParaRPr lang="zh-CN" altLang="en-US"/>
           </a:p>
@@ -11724,7 +11526,7 @@
           <a:p>
             <a:fld id="{EC269055-B1D5-4ECE-BFA1-450C1569B936}" type="datetime1">
               <a:rPr lang="zh-CN" altLang="en-US" smtClean="0"/>
-              <a:t>2021/11/25</a:t>
+              <a:t>2021/12/5</a:t>
             </a:fld>
             <a:endParaRPr lang="zh-CN" altLang="en-US"/>
           </a:p>
@@ -11872,7 +11674,7 @@
           <a:p>
             <a:fld id="{6FF1AEA0-AC91-465D-8F90-FBA394D73BF0}" type="datetime1">
               <a:rPr lang="zh-CN" altLang="en-US" smtClean="0"/>
-              <a:t>2021/11/25</a:t>
+              <a:t>2021/12/5</a:t>
             </a:fld>
             <a:endParaRPr lang="zh-CN" altLang="en-US"/>
           </a:p>
@@ -14489,7 +14291,7 @@
           <a:p>
             <a:fld id="{EC269055-B1D5-4ECE-BFA1-450C1569B936}" type="datetime1">
               <a:rPr lang="zh-CN" altLang="en-US" smtClean="0"/>
-              <a:t>2021/11/25</a:t>
+              <a:t>2021/12/5</a:t>
             </a:fld>
             <a:endParaRPr lang="zh-CN" altLang="en-US"/>
           </a:p>
@@ -14676,7 +14478,7 @@
           <a:p>
             <a:fld id="{6FF1AEA0-AC91-465D-8F90-FBA394D73BF0}" type="datetime1">
               <a:rPr lang="zh-CN" altLang="en-US" smtClean="0"/>
-              <a:t>2021/11/25</a:t>
+              <a:t>2021/12/5</a:t>
             </a:fld>
             <a:endParaRPr lang="zh-CN" altLang="en-US"/>
           </a:p>
@@ -17261,7 +17063,7 @@
           <a:p>
             <a:fld id="{EC269055-B1D5-4ECE-BFA1-450C1569B936}" type="datetime1">
               <a:rPr lang="zh-CN" altLang="en-US" smtClean="0"/>
-              <a:t>2021/11/25</a:t>
+              <a:t>2021/12/5</a:t>
             </a:fld>
             <a:endParaRPr lang="zh-CN" altLang="en-US"/>
           </a:p>
@@ -17445,7 +17247,7 @@
           <a:p>
             <a:fld id="{6FF1AEA0-AC91-465D-8F90-FBA394D73BF0}" type="datetime1">
               <a:rPr lang="zh-CN" altLang="en-US" smtClean="0"/>
-              <a:t>2021/11/25</a:t>
+              <a:t>2021/12/5</a:t>
             </a:fld>
             <a:endParaRPr lang="zh-CN" altLang="en-US"/>
           </a:p>
@@ -20030,7 +19832,7 @@
           <a:p>
             <a:fld id="{EC269055-B1D5-4ECE-BFA1-450C1569B936}" type="datetime1">
               <a:rPr lang="zh-CN" altLang="en-US" smtClean="0"/>
-              <a:t>2021/11/25</a:t>
+              <a:t>2021/12/5</a:t>
             </a:fld>
             <a:endParaRPr lang="zh-CN" altLang="en-US"/>
           </a:p>
